--- a/training/day1/2SpringBootDay1.pptx
+++ b/training/day1/2SpringBootDay1.pptx
@@ -206,7 +206,7 @@
           <a:p>
             <a:fld id="{F15A6252-5F50-4106-9C23-9E03A675631E}" type="datetimeFigureOut">
               <a:rPr lang="en-IN" smtClean="0"/>
-              <a:t>30-04-2020</a:t>
+              <a:t>02-05-2020</a:t>
             </a:fld>
             <a:endParaRPr lang="en-IN"/>
           </a:p>
@@ -623,7 +623,7 @@
           <a:p>
             <a:fld id="{4086692B-153F-4DFE-BFBD-A2AE2C7443B6}" type="datetimeFigureOut">
               <a:rPr lang="en-IN" smtClean="0"/>
-              <a:t>30-04-2020</a:t>
+              <a:t>02-05-2020</a:t>
             </a:fld>
             <a:endParaRPr lang="en-IN"/>
           </a:p>
@@ -823,7 +823,7 @@
           <a:p>
             <a:fld id="{4086692B-153F-4DFE-BFBD-A2AE2C7443B6}" type="datetimeFigureOut">
               <a:rPr lang="en-IN" smtClean="0"/>
-              <a:t>30-04-2020</a:t>
+              <a:t>02-05-2020</a:t>
             </a:fld>
             <a:endParaRPr lang="en-IN"/>
           </a:p>
@@ -1033,7 +1033,7 @@
           <a:p>
             <a:fld id="{4086692B-153F-4DFE-BFBD-A2AE2C7443B6}" type="datetimeFigureOut">
               <a:rPr lang="en-IN" smtClean="0"/>
-              <a:t>30-04-2020</a:t>
+              <a:t>02-05-2020</a:t>
             </a:fld>
             <a:endParaRPr lang="en-IN"/>
           </a:p>
@@ -1233,7 +1233,7 @@
           <a:p>
             <a:fld id="{4086692B-153F-4DFE-BFBD-A2AE2C7443B6}" type="datetimeFigureOut">
               <a:rPr lang="en-IN" smtClean="0"/>
-              <a:t>30-04-2020</a:t>
+              <a:t>02-05-2020</a:t>
             </a:fld>
             <a:endParaRPr lang="en-IN"/>
           </a:p>
@@ -1509,7 +1509,7 @@
           <a:p>
             <a:fld id="{4086692B-153F-4DFE-BFBD-A2AE2C7443B6}" type="datetimeFigureOut">
               <a:rPr lang="en-IN" smtClean="0"/>
-              <a:t>30-04-2020</a:t>
+              <a:t>02-05-2020</a:t>
             </a:fld>
             <a:endParaRPr lang="en-IN"/>
           </a:p>
@@ -1777,7 +1777,7 @@
           <a:p>
             <a:fld id="{4086692B-153F-4DFE-BFBD-A2AE2C7443B6}" type="datetimeFigureOut">
               <a:rPr lang="en-IN" smtClean="0"/>
-              <a:t>30-04-2020</a:t>
+              <a:t>02-05-2020</a:t>
             </a:fld>
             <a:endParaRPr lang="en-IN"/>
           </a:p>
@@ -2192,7 +2192,7 @@
           <a:p>
             <a:fld id="{4086692B-153F-4DFE-BFBD-A2AE2C7443B6}" type="datetimeFigureOut">
               <a:rPr lang="en-IN" smtClean="0"/>
-              <a:t>30-04-2020</a:t>
+              <a:t>02-05-2020</a:t>
             </a:fld>
             <a:endParaRPr lang="en-IN"/>
           </a:p>
@@ -2334,7 +2334,7 @@
           <a:p>
             <a:fld id="{4086692B-153F-4DFE-BFBD-A2AE2C7443B6}" type="datetimeFigureOut">
               <a:rPr lang="en-IN" smtClean="0"/>
-              <a:t>30-04-2020</a:t>
+              <a:t>02-05-2020</a:t>
             </a:fld>
             <a:endParaRPr lang="en-IN"/>
           </a:p>
@@ -2447,7 +2447,7 @@
           <a:p>
             <a:fld id="{4086692B-153F-4DFE-BFBD-A2AE2C7443B6}" type="datetimeFigureOut">
               <a:rPr lang="en-IN" smtClean="0"/>
-              <a:t>30-04-2020</a:t>
+              <a:t>02-05-2020</a:t>
             </a:fld>
             <a:endParaRPr lang="en-IN"/>
           </a:p>
@@ -2760,7 +2760,7 @@
           <a:p>
             <a:fld id="{4086692B-153F-4DFE-BFBD-A2AE2C7443B6}" type="datetimeFigureOut">
               <a:rPr lang="en-IN" smtClean="0"/>
-              <a:t>30-04-2020</a:t>
+              <a:t>02-05-2020</a:t>
             </a:fld>
             <a:endParaRPr lang="en-IN"/>
           </a:p>
@@ -3049,7 +3049,7 @@
           <a:p>
             <a:fld id="{4086692B-153F-4DFE-BFBD-A2AE2C7443B6}" type="datetimeFigureOut">
               <a:rPr lang="en-IN" smtClean="0"/>
-              <a:t>30-04-2020</a:t>
+              <a:t>02-05-2020</a:t>
             </a:fld>
             <a:endParaRPr lang="en-IN"/>
           </a:p>
@@ -3292,7 +3292,7 @@
           <a:p>
             <a:fld id="{4086692B-153F-4DFE-BFBD-A2AE2C7443B6}" type="datetimeFigureOut">
               <a:rPr lang="en-IN" smtClean="0"/>
-              <a:t>30-04-2020</a:t>
+              <a:t>02-05-2020</a:t>
             </a:fld>
             <a:endParaRPr lang="en-IN"/>
           </a:p>
@@ -4149,7 +4149,7 @@
                 </a:solidFill>
                 <a:latin typeface="+mn-lt"/>
               </a:rPr>
-              <a:t> Day 1 - Agenda</a:t>
+              <a:t> Day 1 and Day 2 - Agenda</a:t>
             </a:r>
             <a:endParaRPr lang="en-IN" dirty="0">
               <a:solidFill>
@@ -4174,8 +4174,8 @@
         </p:nvSpPr>
         <p:spPr>
           <a:xfrm>
-            <a:off x="838200" y="1779687"/>
-            <a:ext cx="10515600" cy="923330"/>
+            <a:off x="838200" y="1474887"/>
+            <a:ext cx="10515600" cy="4524315"/>
           </a:xfrm>
           <a:prstGeom prst="rect">
             <a:avLst/>
@@ -4189,16 +4189,72 @@
           <a:lstStyle/>
           <a:p>
             <a:r>
-              <a:rPr lang="en-US" dirty="0">
-                <a:solidFill>
-                  <a:schemeClr val="bg1"/>
-                </a:solidFill>
-              </a:rPr>
-              <a:t>Dependency Injection</a:t>
-            </a:r>
-          </a:p>
-          <a:p>
-            <a:endParaRPr lang="en-US" dirty="0">
+              <a:rPr lang="en-US" b="1" dirty="0">
+                <a:solidFill>
+                  <a:schemeClr val="bg1"/>
+                </a:solidFill>
+              </a:rPr>
+              <a:t>Spring Boot</a:t>
+            </a:r>
+          </a:p>
+          <a:p>
+            <a:r>
+              <a:rPr lang="en-US" b="1" dirty="0">
+                <a:solidFill>
+                  <a:schemeClr val="bg1"/>
+                </a:solidFill>
+              </a:rPr>
+              <a:t>	Why do you need Spring Boot</a:t>
+            </a:r>
+          </a:p>
+          <a:p>
+            <a:r>
+              <a:rPr lang="en-US" b="1" dirty="0">
+                <a:solidFill>
+                  <a:schemeClr val="bg1"/>
+                </a:solidFill>
+              </a:rPr>
+              <a:t>	Dev. Env. Setup</a:t>
+            </a:r>
+          </a:p>
+          <a:p>
+            <a:r>
+              <a:rPr lang="en-US" b="1" dirty="0">
+                <a:solidFill>
+                  <a:schemeClr val="bg1"/>
+                </a:solidFill>
+              </a:rPr>
+              <a:t>	Maven Introduction</a:t>
+            </a:r>
+          </a:p>
+          <a:p>
+            <a:r>
+              <a:rPr lang="en-US" b="1" dirty="0">
+                <a:solidFill>
+                  <a:schemeClr val="bg1"/>
+                </a:solidFill>
+              </a:rPr>
+              <a:t>	My first Spring Boot project</a:t>
+            </a:r>
+          </a:p>
+          <a:p>
+            <a:r>
+              <a:rPr lang="en-US" b="1" dirty="0">
+                <a:solidFill>
+                  <a:schemeClr val="bg1"/>
+                </a:solidFill>
+              </a:rPr>
+              <a:t>	My first </a:t>
+            </a:r>
+            <a:r>
+              <a:rPr lang="en-US" b="1" dirty="0" err="1">
+                <a:solidFill>
+                  <a:schemeClr val="bg1"/>
+                </a:solidFill>
+              </a:rPr>
+              <a:t>RestController</a:t>
+            </a:r>
+            <a:endParaRPr lang="en-US" b="1">
               <a:solidFill>
                 <a:schemeClr val="bg1"/>
               </a:solidFill>
@@ -4206,12 +4262,110 @@
           </a:p>
           <a:p>
             <a:r>
-              <a:rPr lang="en-US" dirty="0">
-                <a:solidFill>
-                  <a:schemeClr val="bg1"/>
-                </a:solidFill>
-              </a:rPr>
-              <a:t>D:\PraiseTheLord\HSBGInfotech\Freshers\Edureka\SOLID\DIP.java	</a:t>
+              <a:rPr lang="en-US" b="1">
+                <a:solidFill>
+                  <a:schemeClr val="bg1"/>
+                </a:solidFill>
+              </a:rPr>
+              <a:t>HTTP </a:t>
+            </a:r>
+            <a:r>
+              <a:rPr lang="en-US" b="1" dirty="0">
+                <a:solidFill>
+                  <a:schemeClr val="bg1"/>
+                </a:solidFill>
+              </a:rPr>
+              <a:t>basics</a:t>
+            </a:r>
+          </a:p>
+          <a:p>
+            <a:r>
+              <a:rPr lang="en-US" b="1" dirty="0">
+                <a:solidFill>
+                  <a:schemeClr val="bg1"/>
+                </a:solidFill>
+              </a:rPr>
+              <a:t>Postman basics</a:t>
+            </a:r>
+          </a:p>
+          <a:p>
+            <a:r>
+              <a:rPr lang="en-US" b="1" dirty="0">
+                <a:solidFill>
+                  <a:schemeClr val="bg1"/>
+                </a:solidFill>
+              </a:rPr>
+              <a:t>Introduction to our microservices.</a:t>
+            </a:r>
+          </a:p>
+          <a:p>
+            <a:r>
+              <a:rPr lang="en-US" b="1" dirty="0">
+                <a:solidFill>
+                  <a:schemeClr val="bg1"/>
+                </a:solidFill>
+              </a:rPr>
+              <a:t>Consolidated Employee Rating</a:t>
+            </a:r>
+          </a:p>
+          <a:p>
+            <a:r>
+              <a:rPr lang="en-US" b="1" dirty="0">
+                <a:solidFill>
+                  <a:schemeClr val="bg1"/>
+                </a:solidFill>
+              </a:rPr>
+              <a:t>Implementation of End to End system</a:t>
+            </a:r>
+          </a:p>
+          <a:p>
+            <a:r>
+              <a:rPr lang="en-US" b="1" dirty="0">
+                <a:solidFill>
+                  <a:schemeClr val="bg1"/>
+                </a:solidFill>
+              </a:rPr>
+              <a:t>Controller - Service - DAO for all three services</a:t>
+            </a:r>
+          </a:p>
+          <a:p>
+            <a:r>
+              <a:rPr lang="en-US" b="1" dirty="0">
+                <a:solidFill>
+                  <a:schemeClr val="bg1"/>
+                </a:solidFill>
+              </a:rPr>
+              <a:t>	CRUD </a:t>
+            </a:r>
+          </a:p>
+          <a:p>
+            <a:r>
+              <a:rPr lang="en-US" b="1" dirty="0">
+                <a:solidFill>
+                  <a:schemeClr val="bg1"/>
+                </a:solidFill>
+              </a:rPr>
+              <a:t>	Consolidation of Result</a:t>
+            </a:r>
+          </a:p>
+          <a:p>
+            <a:r>
+              <a:rPr lang="en-US" b="1" dirty="0">
+                <a:solidFill>
+                  <a:schemeClr val="bg1"/>
+                </a:solidFill>
+              </a:rPr>
+              <a:t>Implementation of seed data.</a:t>
+            </a:r>
+          </a:p>
+          <a:p>
+            <a:r>
+              <a:rPr lang="en-US" b="1" dirty="0">
+                <a:solidFill>
+                  <a:schemeClr val="bg1"/>
+                </a:solidFill>
+              </a:rPr>
+              <a:t>Implementing customized function in DAO.</a:t>
             </a:r>
           </a:p>
         </p:txBody>
